--- a/paper/FordNavaTan_Presentation_Draft1.pptx
+++ b/paper/FordNavaTan_Presentation_Draft1.pptx
@@ -213,7 +213,7 @@
           <a:p>
             <a:fld id="{935336F5-A68D-9A4A-83AB-B8CD6FA5C732}" type="datetimeFigureOut">
               <a:rPr lang="en-US" smtClean="0"/>
-              <a:t>7/24/2020</a:t>
+              <a:t>7/26/2020</a:t>
             </a:fld>
             <a:endParaRPr lang="en-US"/>
           </a:p>
@@ -564,6 +564,101 @@
 </p:notes>
 </file>
 
+<file path=ppt/notesSlides/notesSlide2.xml><?xml version="1.0" encoding="utf-8"?>
+<p:notes xmlns:a="http://schemas.openxmlformats.org/drawingml/2006/main" xmlns:r="http://schemas.openxmlformats.org/officeDocument/2006/relationships" xmlns:p="http://schemas.openxmlformats.org/presentationml/2006/main">
+  <p:cSld>
+    <p:spTree>
+      <p:nvGrpSpPr>
+        <p:cNvPr id="1" name=""/>
+        <p:cNvGrpSpPr/>
+        <p:nvPr/>
+      </p:nvGrpSpPr>
+      <p:grpSpPr>
+        <a:xfrm>
+          <a:off x="0" y="0"/>
+          <a:ext cx="0" cy="0"/>
+          <a:chOff x="0" y="0"/>
+          <a:chExt cx="0" cy="0"/>
+        </a:xfrm>
+      </p:grpSpPr>
+      <p:sp>
+        <p:nvSpPr>
+          <p:cNvPr id="2" name="Slide Image Placeholder 1"/>
+          <p:cNvSpPr>
+            <a:spLocks noGrp="1" noRot="1" noChangeAspect="1"/>
+          </p:cNvSpPr>
+          <p:nvPr>
+            <p:ph type="sldImg"/>
+          </p:nvPr>
+        </p:nvSpPr>
+        <p:spPr/>
+      </p:sp>
+      <p:sp>
+        <p:nvSpPr>
+          <p:cNvPr id="3" name="Notes Placeholder 2"/>
+          <p:cNvSpPr>
+            <a:spLocks noGrp="1"/>
+          </p:cNvSpPr>
+          <p:nvPr>
+            <p:ph type="body" idx="1"/>
+          </p:nvPr>
+        </p:nvSpPr>
+        <p:spPr/>
+        <p:txBody>
+          <a:bodyPr/>
+          <a:lstStyle/>
+          <a:p>
+            <a:r>
+              <a:rPr lang="en-US" dirty="0"/>
+              <a:t>Placeholder simplified flowchart (</a:t>
+            </a:r>
+            <a:r>
+              <a:rPr lang="en-US" dirty="0" err="1"/>
+              <a:t>kinda</a:t>
+            </a:r>
+            <a:r>
+              <a:rPr lang="en-US"/>
+              <a:t> boring?)</a:t>
+            </a:r>
+          </a:p>
+        </p:txBody>
+      </p:sp>
+      <p:sp>
+        <p:nvSpPr>
+          <p:cNvPr id="4" name="Slide Number Placeholder 3"/>
+          <p:cNvSpPr>
+            <a:spLocks noGrp="1"/>
+          </p:cNvSpPr>
+          <p:nvPr>
+            <p:ph type="sldNum" sz="quarter" idx="5"/>
+          </p:nvPr>
+        </p:nvSpPr>
+        <p:spPr/>
+        <p:txBody>
+          <a:bodyPr/>
+          <a:lstStyle/>
+          <a:p>
+            <a:fld id="{BAA9633A-392A-4347-9D1C-FF5FFE9476B1}" type="slidenum">
+              <a:rPr lang="en-US" smtClean="0"/>
+              <a:t>8</a:t>
+            </a:fld>
+            <a:endParaRPr lang="en-US"/>
+          </a:p>
+        </p:txBody>
+      </p:sp>
+    </p:spTree>
+    <p:extLst>
+      <p:ext uri="{BB962C8B-B14F-4D97-AF65-F5344CB8AC3E}">
+        <p14:creationId xmlns:p14="http://schemas.microsoft.com/office/powerpoint/2010/main" val="507348247"/>
+      </p:ext>
+    </p:extLst>
+  </p:cSld>
+  <p:clrMapOvr>
+    <a:masterClrMapping/>
+  </p:clrMapOvr>
+</p:notes>
+</file>
+
 <file path=ppt/slideLayouts/slideLayout1.xml><?xml version="1.0" encoding="utf-8"?>
 <p:sldLayout xmlns:a="http://schemas.openxmlformats.org/drawingml/2006/main" xmlns:r="http://schemas.openxmlformats.org/officeDocument/2006/relationships" xmlns:p="http://schemas.openxmlformats.org/presentationml/2006/main" type="title" preserve="1">
   <p:cSld name="Title Slide">
@@ -862,7 +957,7 @@
           <a:p>
             <a:fld id="{D8AC05B1-2526-7C44-8A74-66C916069F4A}" type="datetime1">
               <a:rPr lang="en-US" smtClean="0"/>
-              <a:t>7/24/2020</a:t>
+              <a:t>7/26/2020</a:t>
             </a:fld>
             <a:endParaRPr lang="en-US"/>
           </a:p>
@@ -1053,7 +1148,7 @@
           <a:p>
             <a:fld id="{C0E5C021-D243-504D-84B8-D45D829E8B6B}" type="datetime1">
               <a:rPr lang="en-US" smtClean="0"/>
-              <a:t>7/24/2020</a:t>
+              <a:t>7/26/2020</a:t>
             </a:fld>
             <a:endParaRPr lang="en-US"/>
           </a:p>
@@ -1234,7 +1329,7 @@
           <a:p>
             <a:fld id="{B6F93F85-28A1-8344-9763-EF19E19F9128}" type="datetime1">
               <a:rPr lang="en-US" smtClean="0"/>
-              <a:t>7/24/2020</a:t>
+              <a:t>7/26/2020</a:t>
             </a:fld>
             <a:endParaRPr lang="en-US"/>
           </a:p>
@@ -1498,7 +1593,7 @@
           <a:p>
             <a:fld id="{A2B5E9FB-9AD4-754B-A772-6D3733DD5BAC}" type="datetime1">
               <a:rPr lang="en-US" smtClean="0"/>
-              <a:t>7/24/2020</a:t>
+              <a:t>7/26/2020</a:t>
             </a:fld>
             <a:endParaRPr lang="en-US"/>
           </a:p>
@@ -1741,7 +1836,7 @@
           <a:p>
             <a:fld id="{3140DF9E-9222-EE48-A64D-28DE5FAE4784}" type="datetime1">
               <a:rPr lang="en-US" smtClean="0"/>
-              <a:t>7/24/2020</a:t>
+              <a:t>7/26/2020</a:t>
             </a:fld>
             <a:endParaRPr lang="en-US"/>
           </a:p>
@@ -2119,7 +2214,7 @@
           <a:p>
             <a:fld id="{A61490FA-57A5-0041-9FDC-ACD83A9AA0E7}" type="datetime1">
               <a:rPr lang="en-US" smtClean="0"/>
-              <a:t>7/24/2020</a:t>
+              <a:t>7/26/2020</a:t>
             </a:fld>
             <a:endParaRPr lang="en-US"/>
           </a:p>
@@ -2248,7 +2343,7 @@
           <a:p>
             <a:fld id="{7E8290BC-2F66-E549-BF33-0BE20A5801B5}" type="datetime1">
               <a:rPr lang="en-US" smtClean="0"/>
-              <a:t>7/24/2020</a:t>
+              <a:t>7/26/2020</a:t>
             </a:fld>
             <a:endParaRPr lang="en-US"/>
           </a:p>
@@ -2354,7 +2449,7 @@
           <a:p>
             <a:fld id="{3BC728CC-7587-8545-9431-C9A8BB34EC62}" type="datetime1">
               <a:rPr lang="en-US" smtClean="0"/>
-              <a:t>7/24/2020</a:t>
+              <a:t>7/26/2020</a:t>
             </a:fld>
             <a:endParaRPr lang="en-US"/>
           </a:p>
@@ -2642,7 +2737,7 @@
           <a:p>
             <a:fld id="{9A66CD15-5422-0542-9CE8-BC312846333A}" type="datetime1">
               <a:rPr lang="en-US" smtClean="0"/>
-              <a:t>7/24/2020</a:t>
+              <a:t>7/26/2020</a:t>
             </a:fld>
             <a:endParaRPr lang="en-US"/>
           </a:p>
@@ -2910,7 +3005,7 @@
           <a:p>
             <a:fld id="{2A2384D1-AE54-4D4A-B83F-6EAD03BEB987}" type="datetime1">
               <a:rPr lang="en-US" smtClean="0"/>
-              <a:t>7/24/2020</a:t>
+              <a:t>7/26/2020</a:t>
             </a:fld>
             <a:endParaRPr lang="en-US"/>
           </a:p>
@@ -6560,11 +6655,11 @@
   <p:clrMapOvr>
     <a:masterClrMapping/>
   </p:clrMapOvr>
-  <mc:AlternateContent xmlns:mc="http://schemas.openxmlformats.org/markup-compatibility/2006">
-    <mc:Choice xmlns:p14="http://schemas.microsoft.com/office/powerpoint/2010/main" Requires="p14">
+  <mc:AlternateContent xmlns:mc="http://schemas.openxmlformats.org/markup-compatibility/2006" xmlns:p14="http://schemas.microsoft.com/office/powerpoint/2010/main">
+    <mc:Choice Requires="p14">
       <p:transition p14:dur="10" advClick="0" advTm="30000"/>
     </mc:Choice>
-    <mc:Fallback>
+    <mc:Fallback xmlns="">
       <p:transition advClick="0" advTm="30000"/>
     </mc:Fallback>
   </mc:AlternateContent>
@@ -9013,11 +9108,11 @@
   <p:clrMapOvr>
     <a:masterClrMapping/>
   </p:clrMapOvr>
-  <mc:AlternateContent xmlns:mc="http://schemas.openxmlformats.org/markup-compatibility/2006">
-    <mc:Choice xmlns:p14="http://schemas.microsoft.com/office/powerpoint/2010/main" Requires="p14">
+  <mc:AlternateContent xmlns:mc="http://schemas.openxmlformats.org/markup-compatibility/2006" xmlns:p14="http://schemas.microsoft.com/office/powerpoint/2010/main">
+    <mc:Choice Requires="p14">
       <p:transition p14:dur="0" advClick="0" advTm="30000"/>
     </mc:Choice>
-    <mc:Fallback>
+    <mc:Fallback xmlns="">
       <p:transition advClick="0" advTm="30000"/>
     </mc:Fallback>
   </mc:AlternateContent>
@@ -9223,11 +9318,11 @@
   <p:clrMapOvr>
     <a:masterClrMapping/>
   </p:clrMapOvr>
-  <mc:AlternateContent xmlns:mc="http://schemas.openxmlformats.org/markup-compatibility/2006">
-    <mc:Choice xmlns:p14="http://schemas.microsoft.com/office/powerpoint/2010/main" Requires="p14">
+  <mc:AlternateContent xmlns:mc="http://schemas.openxmlformats.org/markup-compatibility/2006" xmlns:p14="http://schemas.microsoft.com/office/powerpoint/2010/main">
+    <mc:Choice Requires="p14">
       <p:transition p14:dur="0" advClick="0" advTm="30000"/>
     </mc:Choice>
-    <mc:Fallback>
+    <mc:Fallback xmlns="">
       <p:transition advClick="0" advTm="30000"/>
     </mc:Fallback>
   </mc:AlternateContent>
@@ -9518,7 +9613,6 @@
               <a:rPr lang="en-US" dirty="0"/>
               <a:t>What one person would do</a:t>
             </a:r>
-            <a:endParaRPr lang="en-US" dirty="0"/>
           </a:p>
         </p:txBody>
       </p:sp>
@@ -9630,7 +9724,6 @@
               <a:rPr lang="en-US" dirty="0"/>
               <a:t>What we are going to do</a:t>
             </a:r>
-            <a:endParaRPr lang="en-US" dirty="0"/>
           </a:p>
         </p:txBody>
       </p:sp>
@@ -9825,11 +9918,11 @@
   <p:clrMapOvr>
     <a:masterClrMapping/>
   </p:clrMapOvr>
-  <mc:AlternateContent xmlns:mc="http://schemas.openxmlformats.org/markup-compatibility/2006">
-    <mc:Choice xmlns:p14="http://schemas.microsoft.com/office/powerpoint/2010/main" Requires="p14">
+  <mc:AlternateContent xmlns:mc="http://schemas.openxmlformats.org/markup-compatibility/2006" xmlns:p14="http://schemas.microsoft.com/office/powerpoint/2010/main">
+    <mc:Choice Requires="p14">
       <p:transition p14:dur="10" advClick="0" advTm="30000"/>
     </mc:Choice>
-    <mc:Fallback>
+    <mc:Fallback xmlns="">
       <p:transition advClick="0" advTm="30000"/>
     </mc:Fallback>
   </mc:AlternateContent>
@@ -9872,7 +9965,6 @@
               <a:rPr lang="en-US" dirty="0"/>
               <a:t>Why can’t I just do regression?</a:t>
             </a:r>
-            <a:endParaRPr lang="en-US" dirty="0"/>
           </a:p>
         </p:txBody>
       </p:sp>
@@ -10013,7 +10105,12 @@
             <p:ph idx="1"/>
           </p:nvPr>
         </p:nvSpPr>
-        <p:spPr/>
+        <p:spPr>
+          <a:xfrm>
+            <a:off x="628650" y="1825625"/>
+            <a:ext cx="4756150" cy="4351338"/>
+          </a:xfrm>
+        </p:spPr>
         <p:txBody>
           <a:bodyPr/>
           <a:lstStyle/>
@@ -10078,6 +10175,36 @@
           </a:p>
         </p:txBody>
       </p:sp>
+      <p:pic>
+        <p:nvPicPr>
+          <p:cNvPr id="5" name="Picture 4">
+            <a:extLst>
+              <a:ext uri="{FF2B5EF4-FFF2-40B4-BE49-F238E27FC236}">
+                <a16:creationId xmlns:a16="http://schemas.microsoft.com/office/drawing/2014/main" id="{81AFA3EC-0173-4A61-BE16-1C0D384AFFBD}"/>
+              </a:ext>
+            </a:extLst>
+          </p:cNvPr>
+          <p:cNvPicPr>
+            <a:picLocks noChangeAspect="1"/>
+          </p:cNvPicPr>
+          <p:nvPr/>
+        </p:nvPicPr>
+        <p:blipFill>
+          <a:blip r:embed="rId3"/>
+          <a:stretch>
+            <a:fillRect/>
+          </a:stretch>
+        </p:blipFill>
+        <p:spPr>
+          <a:xfrm>
+            <a:off x="5384800" y="1274760"/>
+            <a:ext cx="2666602" cy="4817371"/>
+          </a:xfrm>
+          <a:prstGeom prst="rect">
+            <a:avLst/>
+          </a:prstGeom>
+        </p:spPr>
+      </p:pic>
     </p:spTree>
     <p:extLst>
       <p:ext uri="{BB962C8B-B14F-4D97-AF65-F5344CB8AC3E}">
